--- a/files/Intro-HPNL.pptx
+++ b/files/Intro-HPNL.pptx
@@ -27,14 +27,9 @@
       <p:italic r:id="rId11"/>
       <p:boldItalic r:id="rId12"/>
     </p:embeddedFont>
-    <p:embeddedFont>
-      <p:font typeface="B Nazanin" panose="00000400000000000000" pitchFamily="2" charset="-78"/>
-      <p:regular r:id="rId13"/>
-      <p:bold r:id="rId14"/>
-    </p:embeddedFont>
   </p:embeddedFontLst>
   <p:custDataLst>
-    <p:tags r:id="rId15"/>
+    <p:tags r:id="rId13"/>
   </p:custDataLst>
   <p:defaultTextStyle>
     <a:defPPr>
@@ -235,7 +230,7 @@
           <a:p>
             <a:fld id="{45E2D058-9647-498D-80EE-CE627AFC868E}" type="datetimeFigureOut">
               <a:rPr lang="en-US" smtClean="0"/>
-              <a:t>12/2/2020</a:t>
+              <a:t>11/22/2022</a:t>
             </a:fld>
             <a:endParaRPr lang="en-US"/>
           </a:p>
@@ -401,7 +396,7 @@
             <a:fld id="{7AB488F7-1FAC-40D2-BB7E-BA3CE28D8950}" type="datetimeFigureOut">
               <a:rPr lang="en-US" smtClean="0"/>
               <a:pPr/>
-              <a:t>12/2/2020</a:t>
+              <a:t>11/22/2022</a:t>
             </a:fld>
             <a:endParaRPr lang="en-US"/>
           </a:p>
@@ -1037,7 +1032,7 @@
                   </a:prstClr>
                 </a:solidFill>
               </a:rPr>
-              <a:t>12/2/2020</a:t>
+              <a:t>11/22/2022</a:t>
             </a:fld>
             <a:endParaRPr lang="en-US">
               <a:solidFill>
@@ -1163,7 +1158,7 @@
                   </a:prstClr>
                 </a:solidFill>
               </a:rPr>
-              <a:t>12/2/2020</a:t>
+              <a:t>11/22/2022</a:t>
             </a:fld>
             <a:endParaRPr lang="en-US">
               <a:solidFill>
@@ -1478,7 +1473,7 @@
                   </a:prstClr>
                 </a:solidFill>
               </a:rPr>
-              <a:t>12/2/2020</a:t>
+              <a:t>11/22/2022</a:t>
             </a:fld>
             <a:endParaRPr lang="en-US">
               <a:solidFill>
@@ -1761,7 +1756,7 @@
                   </a:prstClr>
                 </a:solidFill>
               </a:rPr>
-              <a:t>12/2/2020</a:t>
+              <a:t>11/22/2022</a:t>
             </a:fld>
             <a:endParaRPr lang="en-US">
               <a:solidFill>
@@ -1960,7 +1955,7 @@
                   </a:prstClr>
                 </a:solidFill>
               </a:rPr>
-              <a:t>12/2/2020</a:t>
+              <a:t>11/22/2022</a:t>
             </a:fld>
             <a:endParaRPr lang="en-US">
               <a:solidFill>
@@ -2169,7 +2164,7 @@
                   </a:prstClr>
                 </a:solidFill>
               </a:rPr>
-              <a:t>12/2/2020</a:t>
+              <a:t>11/22/2022</a:t>
             </a:fld>
             <a:endParaRPr lang="en-US">
               <a:solidFill>
@@ -2295,7 +2290,7 @@
                   </a:prstClr>
                 </a:solidFill>
               </a:rPr>
-              <a:t>12/2/2020</a:t>
+              <a:t>11/22/2022</a:t>
             </a:fld>
             <a:endParaRPr lang="en-US">
               <a:solidFill>
@@ -2554,7 +2549,7 @@
           <a:p>
             <a:fld id="{67B087C3-8BA3-45B2-8489-21BB86B3BA77}" type="datetime1">
               <a:rPr lang="en-US" smtClean="0"/>
-              <a:t>12/2/2020</a:t>
+              <a:t>11/22/2022</a:t>
             </a:fld>
             <a:endParaRPr lang="en-US"/>
           </a:p>
@@ -4214,7 +4209,7 @@
                   </a:prstClr>
                 </a:solidFill>
               </a:rPr>
-              <a:t>12/2/2020</a:t>
+              <a:t>11/22/2022</a:t>
             </a:fld>
             <a:endParaRPr lang="en-US">
               <a:solidFill>
@@ -7644,7 +7639,7 @@
                   </a:prstClr>
                 </a:solidFill>
               </a:rPr>
-              <a:t>12/2/2020</a:t>
+              <a:t>11/22/2022</a:t>
             </a:fld>
             <a:endParaRPr lang="en-US">
               <a:solidFill>
@@ -8094,7 +8089,7 @@
                   </a:prstClr>
                 </a:solidFill>
               </a:rPr>
-              <a:t>12/2/2020</a:t>
+              <a:t>11/22/2022</a:t>
             </a:fld>
             <a:endParaRPr lang="en-US">
               <a:solidFill>
@@ -8220,7 +8215,7 @@
                   </a:prstClr>
                 </a:solidFill>
               </a:rPr>
-              <a:t>12/2/2020</a:t>
+              <a:t>11/22/2022</a:t>
             </a:fld>
             <a:endParaRPr lang="en-US">
               <a:solidFill>
@@ -8386,7 +8381,7 @@
                   </a:prstClr>
                 </a:solidFill>
               </a:rPr>
-              <a:t>12/2/2020</a:t>
+              <a:t>11/22/2022</a:t>
             </a:fld>
             <a:endParaRPr lang="en-US">
               <a:solidFill>
@@ -8723,7 +8718,7 @@
                   </a:prstClr>
                 </a:solidFill>
               </a:rPr>
-              <a:t>12/2/2020</a:t>
+              <a:t>11/22/2022</a:t>
             </a:fld>
             <a:endParaRPr lang="en-US">
               <a:solidFill>
@@ -9160,7 +9155,7 @@
               <a:buChar char="ü"/>
             </a:pPr>
             <a:r>
-              <a:rPr lang="en-GB" sz="1600" dirty="0" smtClean="0">
+              <a:rPr lang="en-GB" sz="1600" dirty="0">
                 <a:latin typeface="Arial" panose="020B0604020202020204" pitchFamily="34" charset="0"/>
                 <a:cs typeface="Arial" panose="020B0604020202020204" pitchFamily="34" charset="0"/>
               </a:rPr>
@@ -9173,16 +9168,12 @@
               <a:buChar char="ü"/>
             </a:pPr>
             <a:r>
-              <a:rPr lang="en-GB" sz="1600" dirty="0" smtClean="0">
+              <a:rPr lang="en-GB" sz="1600" dirty="0">
                 <a:latin typeface="Arial" panose="020B0604020202020204" pitchFamily="34" charset="0"/>
                 <a:cs typeface="Arial" panose="020B0604020202020204" pitchFamily="34" charset="0"/>
               </a:rPr>
               <a:t>Self Driving Car</a:t>
             </a:r>
-            <a:endParaRPr lang="en-GB" sz="1600" dirty="0" smtClean="0">
-              <a:latin typeface="Arial" panose="020B0604020202020204" pitchFamily="34" charset="0"/>
-              <a:cs typeface="Arial" panose="020B0604020202020204" pitchFamily="34" charset="0"/>
-            </a:endParaRPr>
           </a:p>
           <a:p>
             <a:pPr marL="342900" indent="-342900">
@@ -9190,13 +9181,13 @@
               <a:buChar char="ü"/>
             </a:pPr>
             <a:r>
-              <a:rPr lang="en-GB" sz="1600" dirty="0" err="1" smtClean="0">
+              <a:rPr lang="en-GB" sz="1600" dirty="0" err="1">
                 <a:latin typeface="Arial" panose="020B0604020202020204" pitchFamily="34" charset="0"/>
                 <a:cs typeface="Arial" panose="020B0604020202020204" pitchFamily="34" charset="0"/>
               </a:rPr>
               <a:t>NoC</a:t>
             </a:r>
-            <a:endParaRPr lang="en-GB" sz="1600" dirty="0" smtClean="0">
+            <a:endParaRPr lang="en-GB" sz="1600" dirty="0">
               <a:latin typeface="Arial" panose="020B0604020202020204" pitchFamily="34" charset="0"/>
               <a:cs typeface="Arial" panose="020B0604020202020204" pitchFamily="34" charset="0"/>
             </a:endParaRPr>
@@ -9207,16 +9198,12 @@
               <a:buChar char="ü"/>
             </a:pPr>
             <a:r>
-              <a:rPr lang="en-GB" sz="1600" dirty="0" smtClean="0">
+              <a:rPr lang="en-GB" sz="1600" dirty="0">
                 <a:latin typeface="Arial" panose="020B0604020202020204" pitchFamily="34" charset="0"/>
                 <a:cs typeface="Arial" panose="020B0604020202020204" pitchFamily="34" charset="0"/>
               </a:rPr>
               <a:t>Accelerators</a:t>
             </a:r>
-            <a:endParaRPr lang="en-GB" sz="1600" dirty="0" smtClean="0">
-              <a:latin typeface="Arial" panose="020B0604020202020204" pitchFamily="34" charset="0"/>
-              <a:cs typeface="Arial" panose="020B0604020202020204" pitchFamily="34" charset="0"/>
-            </a:endParaRPr>
           </a:p>
         </p:txBody>
       </p:sp>
@@ -9247,56 +9234,7 @@
                 <a:latin typeface="Arial" panose="020B0604020202020204" pitchFamily="34" charset="0"/>
                 <a:cs typeface="Arial" panose="020B0604020202020204" pitchFamily="34" charset="0"/>
               </a:rPr>
-              <a:t>A</a:t>
-            </a:r>
-            <a:r>
-              <a:rPr lang="en-US" sz="2000" dirty="0" smtClean="0">
-                <a:latin typeface="Arial" panose="020B0604020202020204" pitchFamily="34" charset="0"/>
-                <a:cs typeface="Arial" panose="020B0604020202020204" pitchFamily="34" charset="0"/>
-              </a:rPr>
-              <a:t> </a:t>
-            </a:r>
-            <a:r>
-              <a:rPr lang="en-US" sz="2000" dirty="0">
-                <a:latin typeface="Arial" panose="020B0604020202020204" pitchFamily="34" charset="0"/>
-                <a:cs typeface="Arial" panose="020B0604020202020204" pitchFamily="34" charset="0"/>
-              </a:rPr>
-              <a:t>unique blend of basic and </a:t>
-            </a:r>
-            <a:r>
-              <a:rPr lang="en-US" sz="2000" dirty="0" smtClean="0">
-                <a:latin typeface="Arial" panose="020B0604020202020204" pitchFamily="34" charset="0"/>
-                <a:cs typeface="Arial" panose="020B0604020202020204" pitchFamily="34" charset="0"/>
-              </a:rPr>
-              <a:t>applied </a:t>
-            </a:r>
-            <a:r>
-              <a:rPr lang="en-US" sz="2000" dirty="0">
-                <a:latin typeface="Arial" panose="020B0604020202020204" pitchFamily="34" charset="0"/>
-                <a:cs typeface="Arial" panose="020B0604020202020204" pitchFamily="34" charset="0"/>
-              </a:rPr>
-              <a:t>research, proving mathematical theorems on the one </a:t>
-            </a:r>
-            <a:r>
-              <a:rPr lang="en-US" sz="2000" dirty="0" smtClean="0">
-                <a:latin typeface="Arial" panose="020B0604020202020204" pitchFamily="34" charset="0"/>
-                <a:cs typeface="Arial" panose="020B0604020202020204" pitchFamily="34" charset="0"/>
-              </a:rPr>
-              <a:t>hand</a:t>
-            </a:r>
-            <a:r>
-              <a:rPr lang="en-US" sz="2000" dirty="0">
-                <a:latin typeface="Arial" panose="020B0604020202020204" pitchFamily="34" charset="0"/>
-                <a:cs typeface="Arial" panose="020B0604020202020204" pitchFamily="34" charset="0"/>
-              </a:rPr>
-              <a:t>, and building practical systems on the other for improving the performance, dependability and security of computer and communication </a:t>
-            </a:r>
-            <a:r>
-              <a:rPr lang="en-US" sz="2000" dirty="0" smtClean="0">
-                <a:latin typeface="Arial" panose="020B0604020202020204" pitchFamily="34" charset="0"/>
-                <a:cs typeface="Arial" panose="020B0604020202020204" pitchFamily="34" charset="0"/>
-              </a:rPr>
-              <a:t>systems.</a:t>
+              <a:t>A unique blend of basic and applied research, proving mathematical theorems on the one hand, and building practical systems on the other for improving the performance, dependability and security of computer and communication systems.</a:t>
             </a:r>
           </a:p>
         </p:txBody>
@@ -9325,7 +9263,7 @@
           <a:p>
             <a:pPr algn="ctr"/>
             <a:r>
-              <a:rPr lang="en-GB" sz="2800" b="1" dirty="0" smtClean="0">
+              <a:rPr lang="en-GB" sz="2800" b="1" dirty="0">
                 <a:solidFill>
                   <a:schemeClr val="bg2">
                     <a:lumMod val="25000"/>
@@ -9461,27 +9399,27 @@
               <a:buChar char="ü"/>
             </a:pPr>
             <a:r>
-              <a:rPr lang="en-GB" sz="1600" dirty="0" err="1" smtClean="0">
+              <a:rPr lang="en-GB" sz="1600" dirty="0" err="1">
                 <a:latin typeface="Arial" panose="020B0604020202020204" pitchFamily="34" charset="0"/>
                 <a:cs typeface="Arial" panose="020B0604020202020204" pitchFamily="34" charset="0"/>
               </a:rPr>
               <a:t>IoT</a:t>
             </a:r>
             <a:r>
-              <a:rPr lang="en-GB" sz="1600" dirty="0" smtClean="0">
+              <a:rPr lang="en-GB" sz="1600" dirty="0">
                 <a:latin typeface="Arial" panose="020B0604020202020204" pitchFamily="34" charset="0"/>
                 <a:cs typeface="Arial" panose="020B0604020202020204" pitchFamily="34" charset="0"/>
               </a:rPr>
               <a:t>, </a:t>
             </a:r>
             <a:r>
-              <a:rPr lang="en-GB" sz="1600" smtClean="0">
+              <a:rPr lang="en-GB" sz="1600">
                 <a:latin typeface="Arial" panose="020B0604020202020204" pitchFamily="34" charset="0"/>
                 <a:cs typeface="Arial" panose="020B0604020202020204" pitchFamily="34" charset="0"/>
               </a:rPr>
               <a:t>Edge Computing</a:t>
             </a:r>
-            <a:endParaRPr lang="en-GB" sz="1600" dirty="0" smtClean="0">
+            <a:endParaRPr lang="en-GB" sz="1600" dirty="0">
               <a:latin typeface="Arial" panose="020B0604020202020204" pitchFamily="34" charset="0"/>
               <a:cs typeface="Arial" panose="020B0604020202020204" pitchFamily="34" charset="0"/>
             </a:endParaRPr>
@@ -9492,18 +9430,11 @@
               <a:buChar char="ü"/>
             </a:pPr>
             <a:r>
-              <a:rPr lang="en-GB" sz="1600" dirty="0" smtClean="0">
+              <a:rPr lang="en-GB" sz="1600" dirty="0">
                 <a:latin typeface="Arial" panose="020B0604020202020204" pitchFamily="34" charset="0"/>
                 <a:cs typeface="Arial" panose="020B0604020202020204" pitchFamily="34" charset="0"/>
               </a:rPr>
-              <a:t>SDN </a:t>
-            </a:r>
-            <a:r>
-              <a:rPr lang="en-GB" sz="1600" dirty="0" smtClean="0">
-                <a:latin typeface="Arial" panose="020B0604020202020204" pitchFamily="34" charset="0"/>
-                <a:cs typeface="Arial" panose="020B0604020202020204" pitchFamily="34" charset="0"/>
-              </a:rPr>
-              <a:t>and Cloud Computing</a:t>
+              <a:t>SDN and Cloud Computing</a:t>
             </a:r>
           </a:p>
           <a:p>
@@ -9516,14 +9447,7 @@
                 <a:latin typeface="Arial" panose="020B0604020202020204" pitchFamily="34" charset="0"/>
                 <a:cs typeface="Arial" panose="020B0604020202020204" pitchFamily="34" charset="0"/>
               </a:rPr>
-              <a:t>Security and </a:t>
-            </a:r>
-            <a:r>
-              <a:rPr lang="en-GB" sz="1600" dirty="0" smtClean="0">
-                <a:latin typeface="Arial" panose="020B0604020202020204" pitchFamily="34" charset="0"/>
-                <a:cs typeface="Arial" panose="020B0604020202020204" pitchFamily="34" charset="0"/>
-              </a:rPr>
-              <a:t>Privacy</a:t>
+              <a:t>Security and Privacy</a:t>
             </a:r>
           </a:p>
           <a:p>
@@ -9532,7 +9456,7 @@
               <a:buChar char="ü"/>
             </a:pPr>
             <a:r>
-              <a:rPr lang="en-GB" sz="1600" dirty="0" smtClean="0">
+              <a:rPr lang="en-GB" sz="1600" dirty="0">
                 <a:latin typeface="Arial" panose="020B0604020202020204" pitchFamily="34" charset="0"/>
                 <a:cs typeface="Arial" panose="020B0604020202020204" pitchFamily="34" charset="0"/>
               </a:rPr>
@@ -9614,13 +9538,6 @@
   <p:transition spd="slow">
     <p:fade thruBlk="1"/>
   </p:transition>
-  <p:timing>
-    <p:tnLst>
-      <p:par>
-        <p:cTn id="1" dur="indefinite" restart="never" nodeType="tmRoot"/>
-      </p:par>
-    </p:tnLst>
-  </p:timing>
 </p:sld>
 </file>
 
@@ -9711,27 +9628,7 @@
             </a:r>
             <a:r>
               <a:rPr lang="en-US" sz="2000" dirty="0"/>
-              <a:t>Every day, we create 2.5 quintillion bytes of data – so much, that 90% of data in the world today has been created in the last two years </a:t>
-            </a:r>
-            <a:r>
-              <a:rPr lang="en-US" sz="2000" dirty="0" smtClean="0"/>
-              <a:t>alone. </a:t>
-            </a:r>
-            <a:r>
-              <a:rPr lang="en-US" sz="2000" dirty="0"/>
-              <a:t>When data sets get so big that they cannot be </a:t>
-            </a:r>
-            <a:r>
-              <a:rPr lang="en-US" sz="2000" dirty="0" smtClean="0"/>
-              <a:t>analyzed </a:t>
-            </a:r>
-            <a:r>
-              <a:rPr lang="en-US" sz="2000" dirty="0"/>
-              <a:t>by traditional data processing application tools, it becomes known as ‘Big Data</a:t>
-            </a:r>
-            <a:r>
-              <a:rPr lang="en-US" sz="2000" dirty="0" smtClean="0"/>
-              <a:t>’. In our lab we apply approximate computing in order to tackle the problems regarding the volume of data.</a:t>
+              <a:t>Every day, we create 2.5 quintillion bytes of data – so much, that 90% of data in the world today has been created in the last two years alone. When data sets get so big that they cannot be analyzed by traditional data processing application tools, it becomes known as ‘Big Data’. In our lab we apply approximate computing in order to tackle the problems regarding the volume of data.</a:t>
             </a:r>
             <a:endParaRPr lang="en-US" sz="2000" b="1" u="sng" dirty="0">
               <a:solidFill>
@@ -9766,7 +9663,7 @@
           <a:lstStyle/>
           <a:p>
             <a:r>
-              <a:rPr lang="en-US" b="1" u="sng" dirty="0" smtClean="0">
+              <a:rPr lang="en-US" b="1" u="sng" dirty="0">
                 <a:solidFill>
                   <a:schemeClr val="accent2">
                     <a:lumMod val="75000"/>
@@ -9779,7 +9676,7 @@
           <a:p>
             <a:pPr algn="just"/>
             <a:r>
-              <a:rPr lang="en-US" sz="2000" dirty="0" smtClean="0"/>
+              <a:rPr lang="en-US" sz="2000" dirty="0"/>
               <a:t>SDN is a major paradigm shift in the networking. In SDNs a globally centralized entity controller the behavior of the network, which solves many problems of the traditional networks due to their distributed stated. Nevertheless the whole systems remains an asynchronous distributed. Starting in 2015 we produced efficient algorithms to solve these inherent  problems in SDN.</a:t>
             </a:r>
             <a:endParaRPr lang="en-US" sz="2000" b="1" u="sng" dirty="0">
@@ -9847,7 +9744,6 @@
               <a:srgbClr val="C0C0C0"/>
             </a:contourClr>
           </a:sp3d>
-          <a:extLst/>
         </p:spPr>
       </p:pic>
       <p:pic>
@@ -9905,7 +9801,6 @@
               <a:srgbClr val="C0C0C0"/>
             </a:contourClr>
           </a:sp3d>
-          <a:extLst/>
         </p:spPr>
       </p:pic>
       <p:sp>
@@ -9931,7 +9826,7 @@
           <a:lstStyle/>
           <a:p>
             <a:r>
-              <a:rPr lang="en-US" b="1" u="sng" dirty="0" smtClean="0">
+              <a:rPr lang="en-US" b="1" u="sng" dirty="0">
                 <a:solidFill>
                   <a:schemeClr val="accent2">
                     <a:lumMod val="75000"/>
@@ -9948,39 +9843,7 @@
             </a:r>
             <a:r>
               <a:rPr lang="en-US" dirty="0"/>
-              <a:t> </a:t>
-            </a:r>
-            <a:r>
-              <a:rPr lang="en-US" dirty="0">
-							</a:rPr>
-              <a:t>electronics</a:t>
-            </a:r>
-            <a:r>
-              <a:rPr lang="en-US" dirty="0"/>
-              <a:t>, </a:t>
-            </a:r>
-            <a:r>
-              <a:rPr lang="en-US" dirty="0">
-							</a:rPr>
-              <a:t>software</a:t>
-            </a:r>
-            <a:r>
-              <a:rPr lang="en-US" dirty="0"/>
-              <a:t>, </a:t>
-            </a:r>
-            <a:r>
-              <a:rPr lang="en-US" dirty="0">
-							</a:rPr>
-              <a:t>sensors</a:t>
-            </a:r>
-            <a:r>
-              <a:rPr lang="en-US" dirty="0"/>
-              <a:t>, </a:t>
-            </a:r>
-            <a:r>
-              <a:rPr lang="en-US" dirty="0">
-							</a:rPr>
-              <a:t>actuators</a:t>
+              <a:t> electronics, software, sensors, actuators</a:t>
             </a:r>
             <a:r>
               <a:rPr lang="en-US" sz="2000" dirty="0"/>
@@ -9988,29 +9851,15 @@
             </a:r>
             <a:r>
               <a:rPr lang="en-US" dirty="0"/>
-              <a:t> </a:t>
-            </a:r>
-            <a:r>
-              <a:rPr lang="en-US" dirty="0">
-							</a:rPr>
-              <a:t>connectivity</a:t>
-            </a:r>
-            <a:r>
-              <a:rPr lang="en-US" dirty="0"/>
-              <a:t> </a:t>
+              <a:t> connectivity </a:t>
             </a:r>
             <a:r>
               <a:rPr lang="en-US" sz="2000" dirty="0"/>
               <a:t>which enables these things to connect, </a:t>
             </a:r>
             <a:r>
-              <a:rPr lang="en-US" dirty="0">
-							</a:rPr>
-              <a:t>collect</a:t>
-            </a:r>
-            <a:r>
               <a:rPr lang="en-US" dirty="0"/>
-              <a:t> </a:t>
+              <a:t>collect </a:t>
             </a:r>
             <a:r>
               <a:rPr lang="en-US" sz="2000" dirty="0"/>
@@ -10018,15 +9867,10 @@
             </a:r>
             <a:r>
               <a:rPr lang="en-US" dirty="0"/>
-              <a:t> </a:t>
-            </a:r>
-            <a:r>
-              <a:rPr lang="en-US" dirty="0">
-							</a:rPr>
-              <a:t>data</a:t>
-            </a:r>
-            <a:r>
-              <a:rPr lang="en-US" sz="2000" dirty="0" smtClean="0"/>
+              <a:t> data</a:t>
+            </a:r>
+            <a:r>
+              <a:rPr lang="en-US" sz="2000" dirty="0"/>
               <a:t>.</a:t>
             </a:r>
             <a:endParaRPr lang="en-US" sz="2000" b="1" u="sng" dirty="0">
@@ -10048,7 +9892,7 @@
           <p:nvPr/>
         </p:nvPicPr>
         <p:blipFill>
-          <a:blip r:embed="rId11"/>
+          <a:blip r:embed="rId4"/>
           <a:stretch>
             <a:fillRect/>
           </a:stretch>
@@ -10073,13 +9917,6 @@
   <p:clrMapOvr>
     <a:masterClrMapping/>
   </p:clrMapOvr>
-  <p:timing>
-    <p:tnLst>
-      <p:par>
-        <p:cTn id="1" dur="indefinite" restart="never" nodeType="tmRoot"/>
-      </p:par>
-    </p:tnLst>
-  </p:timing>
 </p:sld>
 </file>
 
@@ -10159,23 +9996,14 @@
           <a:lstStyle/>
           <a:p>
             <a:r>
-              <a:rPr lang="en-US" dirty="0" smtClean="0"/>
-              <a:t>It </a:t>
-            </a:r>
-            <a:r>
               <a:rPr lang="en-US" dirty="0"/>
-              <a:t>simultaneously increases economies of scale and efficiencies, while decreasing operating costs. </a:t>
-            </a:r>
-            <a:endParaRPr lang="en-US" dirty="0" smtClean="0"/>
-          </a:p>
-          <a:p>
-            <a:r>
-              <a:rPr lang="en-US" dirty="0" smtClean="0"/>
-              <a:t>it </a:t>
-            </a:r>
+              <a:t>It simultaneously increases economies of scale and efficiencies, while decreasing operating costs. </a:t>
+            </a:r>
+          </a:p>
+          <a:p>
             <a:r>
               <a:rPr lang="en-US" dirty="0"/>
-              <a:t>delivers an optimized and customized quality of experience inexpensively to the end-user. When automation frameworks are infused with </a:t>
+              <a:t>it delivers an optimized and customized quality of experience inexpensively to the end-user. When automation frameworks are infused with </a:t>
             </a:r>
             <a:r>
               <a:rPr lang="en-US" dirty="0">
@@ -10225,16 +10053,11 @@
               <a:rPr lang="en-US" dirty="0"/>
               <a:t>is provided to self-analyze, self-discover, self-configure, and self-correct, the autonomous network is born. </a:t>
             </a:r>
-            <a:endParaRPr lang="en-US" dirty="0" smtClean="0"/>
-          </a:p>
-          <a:p>
-            <a:r>
-              <a:rPr lang="en-US" dirty="0" smtClean="0"/>
-              <a:t>The </a:t>
-            </a:r>
+          </a:p>
+          <a:p>
             <a:r>
               <a:rPr lang="en-US" dirty="0"/>
-              <a:t>aim of the </a:t>
+              <a:t>The aim of the </a:t>
             </a:r>
             <a:r>
               <a:rPr lang="en-US" dirty="0">
@@ -10367,28 +10190,11 @@
               </a:rPr>
               <a:t>, is an autonomous network that is predictive and adaptive to its environment. </a:t>
             </a:r>
-            <a:endParaRPr lang="en-US" dirty="0" smtClean="0">
-              <a:solidFill>
-                <a:srgbClr val="000000"/>
-              </a:solidFill>
-            </a:endParaRPr>
-          </a:p>
-          <a:p>
-            <a:r>
-              <a:rPr lang="en-US" dirty="0" smtClean="0"/>
-              <a:t>Self-Driving Network encompasses </a:t>
-            </a:r>
+          </a:p>
+          <a:p>
             <a:r>
               <a:rPr lang="en-US" dirty="0"/>
-              <a:t>all of the advantages provided by </a:t>
-            </a:r>
-            <a:r>
-              <a:rPr lang="en-US" dirty="0" smtClean="0"/>
-              <a:t>automation. Thus </a:t>
-            </a:r>
-            <a:r>
-              <a:rPr lang="en-US" dirty="0"/>
-              <a:t>companies can redeploy their resources to focus on other tasks that provide a higher </a:t>
+              <a:t>Self-Driving Network encompasses all of the advantages provided by automation. Thus companies can redeploy their resources to focus on other tasks that provide a higher </a:t>
             </a:r>
             <a:r>
               <a:rPr lang="en-US" dirty="0">
@@ -10411,13 +10217,6 @@
   <p:clrMapOvr>
     <a:masterClrMapping/>
   </p:clrMapOvr>
-  <p:timing>
-    <p:tnLst>
-      <p:par>
-        <p:cTn id="1" dur="indefinite" restart="never" nodeType="tmRoot"/>
-      </p:par>
-    </p:tnLst>
-  </p:timing>
 </p:sld>
 </file>
 
@@ -10498,29 +10297,13 @@
           <a:p>
             <a:r>
               <a:rPr lang="en-US" dirty="0"/>
-              <a:t>Gartner </a:t>
-            </a:r>
-            <a:r>
-              <a:rPr lang="en-US" dirty="0" smtClean="0"/>
-              <a:t>research: </a:t>
-            </a:r>
+              <a:t>Gartner research: 75 percent of current networks are still managed manually</a:t>
+            </a:r>
+          </a:p>
+          <a:p>
             <a:r>
               <a:rPr lang="en-US" dirty="0"/>
-              <a:t>75 percent of current networks are still managed </a:t>
-            </a:r>
-            <a:r>
-              <a:rPr lang="en-US" dirty="0" smtClean="0"/>
-              <a:t>manually</a:t>
-            </a:r>
-          </a:p>
-          <a:p>
-            <a:r>
-              <a:rPr lang="en-US" dirty="0"/>
-              <a:t>intent-based networking is based on telling the network what you want (your intent) rather than exactly what to do, on a technical level, to accomplish your </a:t>
-            </a:r>
-            <a:r>
-              <a:rPr lang="en-US" dirty="0" smtClean="0"/>
-              <a:t>goal.</a:t>
+              <a:t>intent-based networking is based on telling the network what you want (your intent) rather than exactly what to do, on a technical level, to accomplish your goal.</a:t>
             </a:r>
           </a:p>
           <a:p>
@@ -10529,8 +10312,7 @@
               <a:t>According to many industry analysts, intent-based networking systems will be necessary to manage the networks of the future connecting </a:t>
             </a:r>
             <a:r>
-              <a:rPr lang="en-US" u="sng" dirty="0">
-							</a:rPr>
+              <a:rPr lang="en-US" u="sng" dirty="0"/>
               <a:t>data centers</a:t>
             </a:r>
             <a:r>
@@ -10538,8 +10320,7 @@
               <a:t>, </a:t>
             </a:r>
             <a:r>
-              <a:rPr lang="en-US" u="sng" dirty="0">
-							</a:rPr>
+              <a:rPr lang="en-US" u="sng" dirty="0"/>
               <a:t>public clouds</a:t>
             </a:r>
             <a:r>
@@ -10547,23 +10328,18 @@
               <a:t> and the Internet of Things (</a:t>
             </a:r>
             <a:r>
-              <a:rPr lang="en-US" u="sng" dirty="0" err="1">
-							</a:rPr>
+              <a:rPr lang="en-US" u="sng" dirty="0" err="1"/>
               <a:t>IoT</a:t>
             </a:r>
             <a:r>
-              <a:rPr lang="en-US" dirty="0" smtClean="0"/>
+              <a:rPr lang="en-US" dirty="0"/>
               <a:t>).</a:t>
             </a:r>
           </a:p>
           <a:p>
             <a:r>
               <a:rPr lang="en-US" dirty="0"/>
-              <a:t>Gartner predicts that IBN will be functioning in at least a thousand enterprise networks by </a:t>
-            </a:r>
-            <a:r>
-              <a:rPr lang="en-US" dirty="0" smtClean="0"/>
-              <a:t>2020.</a:t>
+              <a:t>Gartner predicts that IBN will be functioning in at least a thousand enterprise networks by 2020.</a:t>
             </a:r>
             <a:endParaRPr lang="en-US" sz="2000" b="1" u="sng" dirty="0">
               <a:solidFill>
@@ -10597,7 +10373,7 @@
           <a:lstStyle/>
           <a:p>
             <a:r>
-              <a:rPr lang="en-US" b="1" u="sng" dirty="0" smtClean="0">
+              <a:rPr lang="en-US" b="1" u="sng" dirty="0">
                 <a:solidFill>
                   <a:srgbClr val="019ADD">
                     <a:lumMod val="75000"/>
@@ -10607,7 +10383,7 @@
               <a:t>Intent-Based Networking</a:t>
             </a:r>
             <a:r>
-              <a:rPr lang="en-US" dirty="0" smtClean="0">
+              <a:rPr lang="en-US" dirty="0">
                 <a:solidFill>
                   <a:srgbClr val="000000"/>
                 </a:solidFill>
@@ -10615,16 +10391,11 @@
               <a:t> </a:t>
             </a:r>
             <a:r>
-              <a:rPr lang="en-US" dirty="0" smtClean="0"/>
-              <a:t>(</a:t>
-            </a:r>
-            <a:r>
               <a:rPr lang="en-US" dirty="0"/>
-              <a:t>IBN) is a developing area of technology incorporating artificial intelligence (</a:t>
-            </a:r>
-            <a:r>
-              <a:rPr lang="en-US" u="sng" dirty="0">
-							</a:rPr>
+              <a:t>(IBN) is a developing area of technology incorporating artificial intelligence (</a:t>
+            </a:r>
+            <a:r>
+              <a:rPr lang="en-US" u="sng" dirty="0"/>
               <a:t>AI</a:t>
             </a:r>
             <a:r>
@@ -10632,8 +10403,7 @@
               <a:t>) and </a:t>
             </a:r>
             <a:r>
-              <a:rPr lang="en-US" u="sng" dirty="0">
-							</a:rPr>
+              <a:rPr lang="en-US" u="sng" dirty="0"/>
               <a:t>machine learning</a:t>
             </a:r>
             <a:r>
@@ -10657,7 +10427,7 @@
           <p:nvPr/>
         </p:nvPicPr>
         <p:blipFill>
-          <a:blip r:embed="rId7">
+          <a:blip r:embed="rId2">
             <a:extLst>
               <a:ext uri="{28A0092B-C50C-407E-A947-70E740481C1C}">
                 <a14:useLocalDpi xmlns:a14="http://schemas.microsoft.com/office/drawing/2010/main" val="0"/>
@@ -10688,13 +10458,6 @@
   <p:clrMapOvr>
     <a:masterClrMapping/>
   </p:clrMapOvr>
-  <p:timing>
-    <p:tnLst>
-      <p:par>
-        <p:cTn id="1" dur="indefinite" restart="never" nodeType="tmRoot"/>
-      </p:par>
-    </p:tnLst>
-  </p:timing>
 </p:sld>
 </file>
 
@@ -10774,7 +10537,7 @@
           <a:lstStyle/>
           <a:p>
             <a:r>
-              <a:rPr lang="en-US" b="1" u="sng" dirty="0" smtClean="0">
+              <a:rPr lang="en-US" b="1" u="sng" dirty="0">
                 <a:solidFill>
                   <a:schemeClr val="accent2">
                     <a:lumMod val="75000"/>
@@ -10811,20 +10574,12 @@
               <a:t>and </a:t>
             </a:r>
             <a:r>
-              <a:rPr lang="en-US" u="sng" dirty="0" smtClean="0">
+              <a:rPr lang="en-US" u="sng" dirty="0">
                 <a:solidFill>
                   <a:srgbClr val="0070C0"/>
                 </a:solidFill>
               </a:rPr>
-              <a:t>operations </a:t>
-            </a:r>
-            <a:r>
-              <a:rPr lang="en-US" u="sng" dirty="0">
-                <a:solidFill>
-                  <a:srgbClr val="0070C0"/>
-                </a:solidFill>
-              </a:rPr>
-              <a:t>research</a:t>
+              <a:t>operations research</a:t>
             </a:r>
             <a:r>
               <a:rPr lang="en-US" dirty="0"/>
@@ -10832,15 +10587,7 @@
             </a:r>
             <a:r>
               <a:rPr lang="en-US" sz="2000" dirty="0"/>
-              <a:t>that deals with optimization problems having no </a:t>
-            </a:r>
-            <a:r>
-              <a:rPr lang="en-US" sz="2000" dirty="0" smtClean="0"/>
-              <a:t>or incomplete </a:t>
-            </a:r>
-            <a:r>
-              <a:rPr lang="en-US" sz="2000" dirty="0"/>
-              <a:t>knowledge of the future (online). These kind of problems are denoted as online problems and are seen as opposed to the classical optimization problems where complete information is assumed (offline).</a:t>
+              <a:t>that deals with optimization problems having no or incomplete knowledge of the future (online). These kind of problems are denoted as online problems and are seen as opposed to the classical optimization problems where complete information is assumed (offline).</a:t>
             </a:r>
           </a:p>
         </p:txBody>
@@ -10868,7 +10615,7 @@
           <a:lstStyle/>
           <a:p>
             <a:r>
-              <a:rPr lang="en-US" b="1" u="sng" dirty="0" smtClean="0">
+              <a:rPr lang="en-US" b="1" u="sng" dirty="0">
                 <a:solidFill>
                   <a:schemeClr val="accent2">
                     <a:lumMod val="75000"/>
@@ -10881,30 +10628,26 @@
           <a:p>
             <a:pPr algn="just"/>
             <a:r>
-              <a:rPr lang="en-US" sz="2000" dirty="0" smtClean="0"/>
+              <a:rPr lang="en-US" sz="2000" dirty="0"/>
               <a:t>Ahmad </a:t>
             </a:r>
             <a:r>
-              <a:rPr lang="en-US" sz="2000" dirty="0" err="1" smtClean="0"/>
+              <a:rPr lang="en-US" sz="2000" dirty="0" err="1"/>
               <a:t>Khonsari</a:t>
             </a:r>
-            <a:endParaRPr lang="en-US" sz="2000" dirty="0" smtClean="0"/>
+            <a:endParaRPr lang="en-US" sz="2000" dirty="0"/>
           </a:p>
           <a:p>
             <a:pPr algn="just"/>
             <a:r>
-              <a:rPr lang="en-US" sz="2000" dirty="0" smtClean="0"/>
-              <a:t>Main ECE Building, first floor , room </a:t>
-            </a:r>
-            <a:r>
-              <a:rPr lang="en-US" sz="2000" dirty="0" smtClean="0"/>
-              <a:t>202</a:t>
+              <a:rPr lang="en-US" sz="2000" dirty="0"/>
+              <a:t>Main ECE Building, first floor , room 202</a:t>
             </a:r>
           </a:p>
           <a:p>
             <a:pPr algn="just"/>
             <a:r>
-              <a:rPr lang="en-US" sz="2000" b="1" u="sng" dirty="0" smtClean="0">
+              <a:rPr lang="en-US" sz="2000" b="1" u="sng" dirty="0">
                 <a:solidFill>
                   <a:schemeClr val="accent2">
                     <a:lumMod val="75000"/>
@@ -10913,26 +10656,18 @@
               </a:rPr>
               <a:t>Web:</a:t>
             </a:r>
-            <a:endParaRPr lang="en-US" sz="2000" b="1" u="sng" dirty="0">
-              <a:solidFill>
-                <a:schemeClr val="accent2">
-                  <a:lumMod val="75000"/>
-                </a:schemeClr>
-              </a:solidFill>
-            </a:endParaRPr>
           </a:p>
           <a:p>
             <a:pPr algn="just"/>
             <a:r>
               <a:rPr lang="en-US" sz="2000" dirty="0"/>
-              <a:t>http://hpnl.ut.ac.ir/</a:t>
-            </a:r>
-            <a:endParaRPr lang="en-US" sz="2000" dirty="0" smtClean="0"/>
+              <a:t>http://hpnl.ir</a:t>
+            </a:r>
           </a:p>
           <a:p>
             <a:pPr algn="just"/>
             <a:r>
-              <a:rPr lang="en-US" sz="2000" b="1" u="sng" dirty="0" smtClean="0">
+              <a:rPr lang="en-US" sz="2000" b="1" u="sng" dirty="0">
                 <a:solidFill>
                   <a:schemeClr val="accent2">
                     <a:lumMod val="75000"/>
@@ -10945,15 +10680,9 @@
           <a:p>
             <a:pPr algn="just"/>
             <a:r>
-              <a:rPr lang="en-US" sz="2000" dirty="0" smtClean="0">
-							</a:rPr>
-              <a:t>ak@ipm.ir</a:t>
-            </a:r>
-            <a:r>
-              <a:rPr lang="en-US" sz="2000" dirty="0" smtClean="0"/>
-              <a:t>, a_khonsari@ut.ac.ir</a:t>
-            </a:r>
-            <a:endParaRPr lang="en-US" sz="2000" dirty="0" smtClean="0"/>
+              <a:rPr lang="en-US" sz="2000" dirty="0"/>
+              <a:t>ak@ipm.ir, a_khonsari@ut.ac.ir</a:t>
+            </a:r>
           </a:p>
           <a:p>
             <a:pPr algn="just"/>
@@ -10976,7 +10705,7 @@
           <p:nvPr/>
         </p:nvPicPr>
         <p:blipFill>
-          <a:blip r:embed="rId3"/>
+          <a:blip r:embed="rId2"/>
           <a:stretch>
             <a:fillRect/>
           </a:stretch>
@@ -11000,7 +10729,7 @@
           <p:nvPr/>
         </p:nvPicPr>
         <p:blipFill>
-          <a:blip r:embed="rId4"/>
+          <a:blip r:embed="rId3"/>
           <a:stretch>
             <a:fillRect/>
           </a:stretch>
@@ -11045,28 +10774,14 @@
                   </a:schemeClr>
                 </a:solidFill>
               </a:rPr>
-              <a:t>Network on </a:t>
-            </a:r>
-            <a:r>
-              <a:rPr lang="en-US" b="1" u="sng" dirty="0" smtClean="0">
-                <a:solidFill>
-                  <a:schemeClr val="accent2">
-                    <a:lumMod val="75000"/>
-                  </a:schemeClr>
-                </a:solidFill>
-              </a:rPr>
-              <a:t>Chip</a:t>
+              <a:t>Network on Chip</a:t>
             </a:r>
           </a:p>
           <a:p>
             <a:pPr algn="just"/>
             <a:r>
-              <a:rPr lang="en-US" sz="2000" dirty="0" smtClean="0"/>
-              <a:t>Network-on-Chip </a:t>
-            </a:r>
-            <a:r>
               <a:rPr lang="en-US" sz="2000" dirty="0"/>
-              <a:t>(</a:t>
+              <a:t>Network-on-Chip (</a:t>
             </a:r>
             <a:r>
               <a:rPr lang="en-US" sz="2000" dirty="0" err="1"/>
@@ -11074,23 +10789,7 @@
             </a:r>
             <a:r>
               <a:rPr lang="en-US" sz="2000" dirty="0"/>
-              <a:t>), a scalable and modular design approach, has been proposed as a promising alternative to traditional bus based architectures for </a:t>
-            </a:r>
-            <a:r>
-              <a:rPr lang="en-US" sz="2000" dirty="0" smtClean="0"/>
-              <a:t>inter-core communication. Among </a:t>
-            </a:r>
-            <a:r>
-              <a:rPr lang="en-US" sz="2000" dirty="0"/>
-              <a:t>different possible </a:t>
-            </a:r>
-            <a:r>
-              <a:rPr lang="en-US" sz="2000" dirty="0" smtClean="0"/>
-              <a:t>alternatives </a:t>
-            </a:r>
-            <a:r>
-              <a:rPr lang="en-US" sz="2000" dirty="0"/>
-              <a:t>for the interconnect fabric of multicore </a:t>
+              <a:t>), a scalable and modular design approach, has been proposed as a promising alternative to traditional bus based architectures for inter-core communication. Among different possible alternatives for the interconnect fabric of multicore </a:t>
             </a:r>
             <a:r>
               <a:rPr lang="en-US" sz="2000" dirty="0" err="1"/>
@@ -11098,30 +10797,14 @@
             </a:r>
             <a:r>
               <a:rPr lang="en-US" sz="2000" dirty="0"/>
-              <a:t>, </a:t>
-            </a:r>
-            <a:r>
-              <a:rPr lang="en-US" sz="2000" dirty="0" smtClean="0"/>
-              <a:t>we envision the </a:t>
-            </a:r>
-            <a:r>
-              <a:rPr lang="en-US" sz="2000" dirty="0"/>
-              <a:t>on-chip wireless communication network </a:t>
-            </a:r>
-            <a:r>
-              <a:rPr lang="en-US" sz="2000" dirty="0" smtClean="0"/>
-              <a:t>as a methodology </a:t>
-            </a:r>
-            <a:r>
-              <a:rPr lang="en-US" sz="2000" dirty="0"/>
-              <a:t>capable of bringing significant performance gains for multicore </a:t>
+              <a:t>, we envision the on-chip wireless communication network as a methodology capable of bringing significant performance gains for multicore </a:t>
             </a:r>
             <a:r>
               <a:rPr lang="en-US" sz="2000" dirty="0" err="1"/>
               <a:t>SoCs</a:t>
             </a:r>
             <a:r>
-              <a:rPr lang="en-US" sz="2000" dirty="0" smtClean="0"/>
+              <a:rPr lang="en-US" sz="2000" dirty="0"/>
               <a:t>.</a:t>
             </a:r>
             <a:endParaRPr lang="en-US" sz="2000" b="1" u="sng" dirty="0">
@@ -11143,7 +10826,7 @@
           <p:nvPr/>
         </p:nvPicPr>
         <p:blipFill>
-          <a:blip r:embed="rId5">
+          <a:blip r:embed="rId4">
             <a:extLst>
               <a:ext uri="{28A0092B-C50C-407E-A947-70E740481C1C}">
                 <a14:useLocalDpi xmlns:a14="http://schemas.microsoft.com/office/drawing/2010/main" val="0"/>
@@ -11189,7 +10872,6 @@
               <a:srgbClr val="C0C0C0"/>
             </a:contourClr>
           </a:sp3d>
-          <a:extLst/>
         </p:spPr>
       </p:pic>
     </p:spTree>
@@ -11202,13 +10884,6 @@
   <p:clrMapOvr>
     <a:masterClrMapping/>
   </p:clrMapOvr>
-  <p:timing>
-    <p:tnLst>
-      <p:par>
-        <p:cTn id="1" dur="indefinite" restart="never" nodeType="tmRoot"/>
-      </p:par>
-    </p:tnLst>
-  </p:timing>
 </p:sld>
 </file>
 

--- a/files/Intro-HPNL.pptx
+++ b/files/Intro-HPNL.pptx
@@ -5,10 +5,10 @@
     <p:sldMasterId id="2147483745" r:id="rId1"/>
   </p:sldMasterIdLst>
   <p:notesMasterIdLst>
-    <p:notesMasterId r:id="rId7"/>
+    <p:notesMasterId r:id="rId8"/>
   </p:notesMasterIdLst>
   <p:handoutMasterIdLst>
-    <p:handoutMasterId r:id="rId8"/>
+    <p:handoutMasterId r:id="rId9"/>
   </p:handoutMasterIdLst>
   <p:sldIdLst>
     <p:sldId id="438" r:id="rId2"/>
@@ -16,20 +16,21 @@
     <p:sldId id="443" r:id="rId4"/>
     <p:sldId id="444" r:id="rId5"/>
     <p:sldId id="441" r:id="rId6"/>
+    <p:sldId id="445" r:id="rId7"/>
   </p:sldIdLst>
   <p:sldSz cx="12192000" cy="6858000"/>
   <p:notesSz cx="6858000" cy="9144000"/>
   <p:embeddedFontLst>
     <p:embeddedFont>
       <p:font typeface="Calibri" panose="020F0502020204030204" pitchFamily="34" charset="0"/>
-      <p:regular r:id="rId9"/>
-      <p:bold r:id="rId10"/>
-      <p:italic r:id="rId11"/>
-      <p:boldItalic r:id="rId12"/>
+      <p:regular r:id="rId10"/>
+      <p:bold r:id="rId11"/>
+      <p:italic r:id="rId12"/>
+      <p:boldItalic r:id="rId13"/>
     </p:embeddedFont>
   </p:embeddedFontLst>
   <p:custDataLst>
-    <p:tags r:id="rId13"/>
+    <p:tags r:id="rId14"/>
   </p:custDataLst>
   <p:defaultTextStyle>
     <a:defPPr>
@@ -230,7 +231,7 @@
           <a:p>
             <a:fld id="{45E2D058-9647-498D-80EE-CE627AFC868E}" type="datetimeFigureOut">
               <a:rPr lang="en-US" smtClean="0"/>
-              <a:t>11/22/2022</a:t>
+              <a:t>10/18/2023</a:t>
             </a:fld>
             <a:endParaRPr lang="en-US"/>
           </a:p>
@@ -396,7 +397,7 @@
             <a:fld id="{7AB488F7-1FAC-40D2-BB7E-BA3CE28D8950}" type="datetimeFigureOut">
               <a:rPr lang="en-US" smtClean="0"/>
               <a:pPr/>
-              <a:t>11/22/2022</a:t>
+              <a:t>10/18/2023</a:t>
             </a:fld>
             <a:endParaRPr lang="en-US"/>
           </a:p>
@@ -1032,7 +1033,7 @@
                   </a:prstClr>
                 </a:solidFill>
               </a:rPr>
-              <a:t>11/22/2022</a:t>
+              <a:t>10/18/2023</a:t>
             </a:fld>
             <a:endParaRPr lang="en-US">
               <a:solidFill>
@@ -1158,7 +1159,7 @@
                   </a:prstClr>
                 </a:solidFill>
               </a:rPr>
-              <a:t>11/22/2022</a:t>
+              <a:t>10/18/2023</a:t>
             </a:fld>
             <a:endParaRPr lang="en-US">
               <a:solidFill>
@@ -1473,7 +1474,7 @@
                   </a:prstClr>
                 </a:solidFill>
               </a:rPr>
-              <a:t>11/22/2022</a:t>
+              <a:t>10/18/2023</a:t>
             </a:fld>
             <a:endParaRPr lang="en-US">
               <a:solidFill>
@@ -1756,7 +1757,7 @@
                   </a:prstClr>
                 </a:solidFill>
               </a:rPr>
-              <a:t>11/22/2022</a:t>
+              <a:t>10/18/2023</a:t>
             </a:fld>
             <a:endParaRPr lang="en-US">
               <a:solidFill>
@@ -1955,7 +1956,7 @@
                   </a:prstClr>
                 </a:solidFill>
               </a:rPr>
-              <a:t>11/22/2022</a:t>
+              <a:t>10/18/2023</a:t>
             </a:fld>
             <a:endParaRPr lang="en-US">
               <a:solidFill>
@@ -2164,7 +2165,7 @@
                   </a:prstClr>
                 </a:solidFill>
               </a:rPr>
-              <a:t>11/22/2022</a:t>
+              <a:t>10/18/2023</a:t>
             </a:fld>
             <a:endParaRPr lang="en-US">
               <a:solidFill>
@@ -2290,7 +2291,7 @@
                   </a:prstClr>
                 </a:solidFill>
               </a:rPr>
-              <a:t>11/22/2022</a:t>
+              <a:t>10/18/2023</a:t>
             </a:fld>
             <a:endParaRPr lang="en-US">
               <a:solidFill>
@@ -2549,7 +2550,7 @@
           <a:p>
             <a:fld id="{67B087C3-8BA3-45B2-8489-21BB86B3BA77}" type="datetime1">
               <a:rPr lang="en-US" smtClean="0"/>
-              <a:t>11/22/2022</a:t>
+              <a:t>10/18/2023</a:t>
             </a:fld>
             <a:endParaRPr lang="en-US"/>
           </a:p>
@@ -4209,7 +4210,7 @@
                   </a:prstClr>
                 </a:solidFill>
               </a:rPr>
-              <a:t>11/22/2022</a:t>
+              <a:t>10/18/2023</a:t>
             </a:fld>
             <a:endParaRPr lang="en-US">
               <a:solidFill>
@@ -7639,7 +7640,7 @@
                   </a:prstClr>
                 </a:solidFill>
               </a:rPr>
-              <a:t>11/22/2022</a:t>
+              <a:t>10/18/2023</a:t>
             </a:fld>
             <a:endParaRPr lang="en-US">
               <a:solidFill>
@@ -8089,7 +8090,7 @@
                   </a:prstClr>
                 </a:solidFill>
               </a:rPr>
-              <a:t>11/22/2022</a:t>
+              <a:t>10/18/2023</a:t>
             </a:fld>
             <a:endParaRPr lang="en-US">
               <a:solidFill>
@@ -8215,7 +8216,7 @@
                   </a:prstClr>
                 </a:solidFill>
               </a:rPr>
-              <a:t>11/22/2022</a:t>
+              <a:t>10/18/2023</a:t>
             </a:fld>
             <a:endParaRPr lang="en-US">
               <a:solidFill>
@@ -8381,7 +8382,7 @@
                   </a:prstClr>
                 </a:solidFill>
               </a:rPr>
-              <a:t>11/22/2022</a:t>
+              <a:t>10/18/2023</a:t>
             </a:fld>
             <a:endParaRPr lang="en-US">
               <a:solidFill>
@@ -8718,7 +8719,7 @@
                   </a:prstClr>
                 </a:solidFill>
               </a:rPr>
-              <a:t>11/22/2022</a:t>
+              <a:t>10/18/2023</a:t>
             </a:fld>
             <a:endParaRPr lang="en-US">
               <a:solidFill>
@@ -10592,110 +10593,6 @@
           </a:p>
         </p:txBody>
       </p:sp>
-      <p:sp>
-        <p:nvSpPr>
-          <p:cNvPr id="7" name="TextBox 6"/>
-          <p:cNvSpPr txBox="1"/>
-          <p:nvPr/>
-        </p:nvSpPr>
-        <p:spPr>
-          <a:xfrm>
-            <a:off x="1977672" y="4501198"/>
-            <a:ext cx="10210800" cy="2616101"/>
-          </a:xfrm>
-          <a:prstGeom prst="rect">
-            <a:avLst/>
-          </a:prstGeom>
-          <a:noFill/>
-        </p:spPr>
-        <p:txBody>
-          <a:bodyPr wrap="square" rtlCol="0">
-            <a:spAutoFit/>
-          </a:bodyPr>
-          <a:lstStyle/>
-          <a:p>
-            <a:r>
-              <a:rPr lang="en-US" b="1" u="sng" dirty="0">
-                <a:solidFill>
-                  <a:schemeClr val="accent2">
-                    <a:lumMod val="75000"/>
-                  </a:schemeClr>
-                </a:solidFill>
-              </a:rPr>
-              <a:t>contact</a:t>
-            </a:r>
-          </a:p>
-          <a:p>
-            <a:pPr algn="just"/>
-            <a:r>
-              <a:rPr lang="en-US" sz="2000" dirty="0"/>
-              <a:t>Ahmad </a:t>
-            </a:r>
-            <a:r>
-              <a:rPr lang="en-US" sz="2000" dirty="0" err="1"/>
-              <a:t>Khonsari</a:t>
-            </a:r>
-            <a:endParaRPr lang="en-US" sz="2000" dirty="0"/>
-          </a:p>
-          <a:p>
-            <a:pPr algn="just"/>
-            <a:r>
-              <a:rPr lang="en-US" sz="2000" dirty="0"/>
-              <a:t>Main ECE Building, first floor , room 202</a:t>
-            </a:r>
-          </a:p>
-          <a:p>
-            <a:pPr algn="just"/>
-            <a:r>
-              <a:rPr lang="en-US" sz="2000" b="1" u="sng" dirty="0">
-                <a:solidFill>
-                  <a:schemeClr val="accent2">
-                    <a:lumMod val="75000"/>
-                  </a:schemeClr>
-                </a:solidFill>
-              </a:rPr>
-              <a:t>Web:</a:t>
-            </a:r>
-          </a:p>
-          <a:p>
-            <a:pPr algn="just"/>
-            <a:r>
-              <a:rPr lang="en-US" sz="2000" dirty="0"/>
-              <a:t>http://hpnl.ir</a:t>
-            </a:r>
-          </a:p>
-          <a:p>
-            <a:pPr algn="just"/>
-            <a:r>
-              <a:rPr lang="en-US" sz="2000" b="1" u="sng" dirty="0">
-                <a:solidFill>
-                  <a:schemeClr val="accent2">
-                    <a:lumMod val="75000"/>
-                  </a:schemeClr>
-                </a:solidFill>
-              </a:rPr>
-              <a:t>Email:</a:t>
-            </a:r>
-          </a:p>
-          <a:p>
-            <a:pPr algn="just"/>
-            <a:r>
-              <a:rPr lang="en-US" sz="2000" dirty="0"/>
-              <a:t>ak@ipm.ir, a_khonsari@ut.ac.ir</a:t>
-            </a:r>
-          </a:p>
-          <a:p>
-            <a:pPr algn="just"/>
-            <a:endParaRPr lang="en-US" sz="2000" b="1" u="sng" dirty="0">
-              <a:solidFill>
-                <a:schemeClr val="accent2">
-                  <a:lumMod val="75000"/>
-                </a:schemeClr>
-              </a:solidFill>
-            </a:endParaRPr>
-          </a:p>
-        </p:txBody>
-      </p:sp>
       <p:pic>
         <p:nvPicPr>
           <p:cNvPr id="6" name="Picture 5"/>
@@ -10720,30 +10617,6 @@
           </a:prstGeom>
         </p:spPr>
       </p:pic>
-      <p:pic>
-        <p:nvPicPr>
-          <p:cNvPr id="8" name="Picture 7"/>
-          <p:cNvPicPr>
-            <a:picLocks noChangeAspect="1"/>
-          </p:cNvPicPr>
-          <p:nvPr/>
-        </p:nvPicPr>
-        <p:blipFill>
-          <a:blip r:embed="rId3"/>
-          <a:stretch>
-            <a:fillRect/>
-          </a:stretch>
-        </p:blipFill>
-        <p:spPr>
-          <a:xfrm>
-            <a:off x="98072" y="4602051"/>
-            <a:ext cx="1765300" cy="1641532"/>
-          </a:xfrm>
-          <a:prstGeom prst="rect">
-            <a:avLst/>
-          </a:prstGeom>
-        </p:spPr>
-      </p:pic>
       <p:sp>
         <p:nvSpPr>
           <p:cNvPr id="11" name="TextBox 10"/>
@@ -10826,7 +10699,7 @@
           <p:nvPr/>
         </p:nvPicPr>
         <p:blipFill>
-          <a:blip r:embed="rId4">
+          <a:blip r:embed="rId3">
             <a:extLst>
               <a:ext uri="{28A0092B-C50C-407E-A947-70E740481C1C}">
                 <a14:useLocalDpi xmlns:a14="http://schemas.microsoft.com/office/drawing/2010/main" val="0"/>
@@ -10878,6 +10751,306 @@
     <p:extLst>
       <p:ext uri="{BB962C8B-B14F-4D97-AF65-F5344CB8AC3E}">
         <p14:creationId xmlns:p14="http://schemas.microsoft.com/office/powerpoint/2010/main" val="2309913532"/>
+      </p:ext>
+    </p:extLst>
+  </p:cSld>
+  <p:clrMapOvr>
+    <a:masterClrMapping/>
+  </p:clrMapOvr>
+</p:sld>
+</file>
+
+<file path=ppt/slides/slide6.xml><?xml version="1.0" encoding="utf-8"?>
+<p:sld xmlns:a="http://schemas.openxmlformats.org/drawingml/2006/main" xmlns:r="http://schemas.openxmlformats.org/officeDocument/2006/relationships" xmlns:p="http://schemas.openxmlformats.org/presentationml/2006/main">
+  <p:cSld>
+    <p:spTree>
+      <p:nvGrpSpPr>
+        <p:cNvPr id="1" name=""/>
+        <p:cNvGrpSpPr/>
+        <p:nvPr/>
+      </p:nvGrpSpPr>
+      <p:grpSpPr>
+        <a:xfrm>
+          <a:off x="0" y="0"/>
+          <a:ext cx="0" cy="0"/>
+          <a:chOff x="0" y="0"/>
+          <a:chExt cx="0" cy="0"/>
+        </a:xfrm>
+      </p:grpSpPr>
+      <p:sp>
+        <p:nvSpPr>
+          <p:cNvPr id="2" name="Slide Number Placeholder 1"/>
+          <p:cNvSpPr>
+            <a:spLocks noGrp="1"/>
+          </p:cNvSpPr>
+          <p:nvPr>
+            <p:ph type="sldNum" sz="quarter" idx="12"/>
+          </p:nvPr>
+        </p:nvSpPr>
+        <p:spPr/>
+        <p:txBody>
+          <a:bodyPr/>
+          <a:lstStyle/>
+          <a:p>
+            <a:fld id="{5939B1FA-81F2-4940-9AF3-5EAFB5D6669B}" type="slidenum">
+              <a:rPr lang="en-US" smtClean="0">
+                <a:solidFill>
+                  <a:prstClr val="black">
+                    <a:tint val="75000"/>
+                  </a:prstClr>
+                </a:solidFill>
+              </a:rPr>
+              <a:pPr/>
+              <a:t>6</a:t>
+            </a:fld>
+            <a:endParaRPr lang="en-US" dirty="0">
+              <a:solidFill>
+                <a:prstClr val="black">
+                  <a:tint val="75000"/>
+                </a:prstClr>
+              </a:solidFill>
+            </a:endParaRPr>
+          </a:p>
+        </p:txBody>
+      </p:sp>
+      <p:sp>
+        <p:nvSpPr>
+          <p:cNvPr id="7" name="TextBox 6"/>
+          <p:cNvSpPr txBox="1"/>
+          <p:nvPr/>
+        </p:nvSpPr>
+        <p:spPr>
+          <a:xfrm>
+            <a:off x="1977672" y="4501198"/>
+            <a:ext cx="10210800" cy="2616101"/>
+          </a:xfrm>
+          <a:prstGeom prst="rect">
+            <a:avLst/>
+          </a:prstGeom>
+          <a:noFill/>
+        </p:spPr>
+        <p:txBody>
+          <a:bodyPr wrap="square" rtlCol="0">
+            <a:spAutoFit/>
+          </a:bodyPr>
+          <a:lstStyle/>
+          <a:p>
+            <a:r>
+              <a:rPr lang="en-US" b="1" u="sng" dirty="0">
+                <a:solidFill>
+                  <a:schemeClr val="accent2">
+                    <a:lumMod val="75000"/>
+                  </a:schemeClr>
+                </a:solidFill>
+              </a:rPr>
+              <a:t>contact</a:t>
+            </a:r>
+          </a:p>
+          <a:p>
+            <a:pPr algn="just"/>
+            <a:r>
+              <a:rPr lang="en-US" sz="2000" dirty="0"/>
+              <a:t>Ahmad </a:t>
+            </a:r>
+            <a:r>
+              <a:rPr lang="en-US" sz="2000" dirty="0" err="1"/>
+              <a:t>Khonsari</a:t>
+            </a:r>
+            <a:endParaRPr lang="en-US" sz="2000" dirty="0"/>
+          </a:p>
+          <a:p>
+            <a:pPr algn="just"/>
+            <a:r>
+              <a:rPr lang="en-US" sz="2000" dirty="0"/>
+              <a:t>Main ECE Building, first floor , room 202</a:t>
+            </a:r>
+          </a:p>
+          <a:p>
+            <a:pPr algn="just"/>
+            <a:r>
+              <a:rPr lang="en-US" sz="2000" b="1" u="sng" dirty="0">
+                <a:solidFill>
+                  <a:schemeClr val="accent2">
+                    <a:lumMod val="75000"/>
+                  </a:schemeClr>
+                </a:solidFill>
+              </a:rPr>
+              <a:t>Web:</a:t>
+            </a:r>
+          </a:p>
+          <a:p>
+            <a:pPr algn="just"/>
+            <a:r>
+              <a:rPr lang="en-US" sz="2000" dirty="0"/>
+              <a:t>http://hpnl.ir</a:t>
+            </a:r>
+          </a:p>
+          <a:p>
+            <a:pPr algn="just"/>
+            <a:r>
+              <a:rPr lang="en-US" sz="2000" b="1" u="sng" dirty="0">
+                <a:solidFill>
+                  <a:schemeClr val="accent2">
+                    <a:lumMod val="75000"/>
+                  </a:schemeClr>
+                </a:solidFill>
+              </a:rPr>
+              <a:t>Email:</a:t>
+            </a:r>
+          </a:p>
+          <a:p>
+            <a:pPr algn="just"/>
+            <a:r>
+              <a:rPr lang="en-US" sz="2000" dirty="0"/>
+              <a:t>ak@ipm.ir, a_khonsari@ut.ac.ir</a:t>
+            </a:r>
+          </a:p>
+          <a:p>
+            <a:pPr algn="just"/>
+            <a:endParaRPr lang="en-US" sz="2000" b="1" u="sng" dirty="0">
+              <a:solidFill>
+                <a:schemeClr val="accent2">
+                  <a:lumMod val="75000"/>
+                </a:schemeClr>
+              </a:solidFill>
+            </a:endParaRPr>
+          </a:p>
+        </p:txBody>
+      </p:sp>
+      <p:pic>
+        <p:nvPicPr>
+          <p:cNvPr id="8" name="Picture 7"/>
+          <p:cNvPicPr>
+            <a:picLocks noChangeAspect="1"/>
+          </p:cNvPicPr>
+          <p:nvPr/>
+        </p:nvPicPr>
+        <p:blipFill>
+          <a:blip r:embed="rId2"/>
+          <a:stretch>
+            <a:fillRect/>
+          </a:stretch>
+        </p:blipFill>
+        <p:spPr>
+          <a:xfrm>
+            <a:off x="98072" y="4602051"/>
+            <a:ext cx="1765300" cy="1641532"/>
+          </a:xfrm>
+          <a:prstGeom prst="rect">
+            <a:avLst/>
+          </a:prstGeom>
+        </p:spPr>
+      </p:pic>
+      <p:sp>
+        <p:nvSpPr>
+          <p:cNvPr id="11" name="TextBox 10"/>
+          <p:cNvSpPr txBox="1"/>
+          <p:nvPr/>
+        </p:nvSpPr>
+        <p:spPr>
+          <a:xfrm>
+            <a:off x="1905000" y="0"/>
+            <a:ext cx="10134600" cy="3539430"/>
+          </a:xfrm>
+          <a:prstGeom prst="rect">
+            <a:avLst/>
+          </a:prstGeom>
+          <a:noFill/>
+        </p:spPr>
+        <p:txBody>
+          <a:bodyPr wrap="square" rtlCol="0">
+            <a:spAutoFit/>
+          </a:bodyPr>
+          <a:lstStyle/>
+          <a:p>
+            <a:r>
+              <a:rPr lang="en-US" b="1" u="sng" dirty="0">
+                <a:solidFill>
+                  <a:schemeClr val="accent2">
+                    <a:lumMod val="75000"/>
+                  </a:schemeClr>
+                </a:solidFill>
+              </a:rPr>
+              <a:t>Blockchain</a:t>
+            </a:r>
+          </a:p>
+          <a:p>
+            <a:pPr algn="just"/>
+            <a:r>
+              <a:rPr lang="en-US" sz="2000" dirty="0"/>
+              <a:t>Blockchains are tamper resistant distributed digital ledgers implemented in a distributed method, without a central repository and central authority i.e. a bank, company, or government. Under normal operation of the blockchain network, no transaction can be changed once published. In 2008, the blockchain idea was combined with several other technologies and computing concepts to create modern cryptocurrencies. The first such blockchain based cryptocurrency was Bitcoin. Despite the many variations of blockchain networks and the rapid development of new blockchain related technologies, most blockchain networks use common concepts. Blockchain technology is still new and should be investigated with the mindset of “how could blockchain technology potentially benefit us?” rather than “how can we make our </a:t>
+            </a:r>
+            <a:r>
+              <a:rPr lang="en-US" sz="2000"/>
+              <a:t>problem fit into </a:t>
+            </a:r>
+            <a:r>
+              <a:rPr lang="en-US" sz="2000" dirty="0"/>
+              <a:t>the blockchain technology paradigm?”. </a:t>
+            </a:r>
+          </a:p>
+        </p:txBody>
+      </p:sp>
+      <p:pic>
+        <p:nvPicPr>
+          <p:cNvPr id="4" name="Picture 3">
+            <a:extLst>
+              <a:ext uri="{FF2B5EF4-FFF2-40B4-BE49-F238E27FC236}">
+                <a16:creationId xmlns:a16="http://schemas.microsoft.com/office/drawing/2014/main" id="{483DAB94-BC4E-DCF4-F69C-B533102782D8}"/>
+              </a:ext>
+            </a:extLst>
+          </p:cNvPr>
+          <p:cNvPicPr>
+            <a:picLocks noChangeAspect="1"/>
+          </p:cNvPicPr>
+          <p:nvPr/>
+        </p:nvPicPr>
+        <p:blipFill>
+          <a:blip r:embed="rId3"/>
+          <a:stretch>
+            <a:fillRect/>
+          </a:stretch>
+        </p:blipFill>
+        <p:spPr>
+          <a:xfrm>
+            <a:off x="98072" y="134289"/>
+            <a:ext cx="1762125" cy="932511"/>
+          </a:xfrm>
+          <a:prstGeom prst="roundRect">
+            <a:avLst>
+              <a:gd name="adj" fmla="val 4167"/>
+            </a:avLst>
+          </a:prstGeom>
+          <a:solidFill>
+            <a:srgbClr val="FFFFFF"/>
+          </a:solidFill>
+          <a:ln w="76200" cap="sq">
+            <a:solidFill>
+              <a:srgbClr val="EAEAEA"/>
+            </a:solidFill>
+            <a:miter lim="800000"/>
+          </a:ln>
+          <a:effectLst>
+            <a:reflection blurRad="12700" stA="33000" endPos="28000" dist="5000" dir="5400000" sy="-100000" algn="bl" rotWithShape="0"/>
+          </a:effectLst>
+          <a:scene3d>
+            <a:camera prst="orthographicFront"/>
+            <a:lightRig rig="threePt" dir="t">
+              <a:rot lat="0" lon="0" rev="2700000"/>
+            </a:lightRig>
+          </a:scene3d>
+          <a:sp3d contourW="6350">
+            <a:bevelT h="38100"/>
+            <a:contourClr>
+              <a:srgbClr val="C0C0C0"/>
+            </a:contourClr>
+          </a:sp3d>
+        </p:spPr>
+      </p:pic>
+    </p:spTree>
+    <p:extLst>
+      <p:ext uri="{BB962C8B-B14F-4D97-AF65-F5344CB8AC3E}">
+        <p14:creationId xmlns:p14="http://schemas.microsoft.com/office/powerpoint/2010/main" val="307678985"/>
       </p:ext>
     </p:extLst>
   </p:cSld>
